--- a/课程ppt/WP SDK开发指南2.pptx
+++ b/课程ppt/WP SDK开发指南2.pptx
@@ -5,7 +5,7 @@
     <p:sldMasterId id="2147483648" r:id="rId1"/>
   </p:sldMasterIdLst>
   <p:notesMasterIdLst>
-    <p:notesMasterId r:id="rId8"/>
+    <p:notesMasterId r:id="rId9"/>
   </p:notesMasterIdLst>
   <p:sldIdLst>
     <p:sldId id="256" r:id="rId2"/>
@@ -13,7 +13,8 @@
     <p:sldId id="342" r:id="rId4"/>
     <p:sldId id="343" r:id="rId5"/>
     <p:sldId id="261" r:id="rId6"/>
-    <p:sldId id="259" r:id="rId7"/>
+    <p:sldId id="344" r:id="rId7"/>
+    <p:sldId id="259" r:id="rId8"/>
   </p:sldIdLst>
   <p:sldSz cx="9144000" cy="6858000" type="screen4x3"/>
   <p:notesSz cx="6858000" cy="9144000"/>
@@ -252,7 +253,7 @@
               <a:pPr>
                 <a:defRPr/>
               </a:pPr>
-              <a:t>2014/10/27</a:t>
+              <a:t>2014/10/29</a:t>
             </a:fld>
             <a:endParaRPr lang="zh-CN" altLang="en-US"/>
           </a:p>
@@ -1263,7 +1264,7 @@
               <a:pPr>
                 <a:defRPr/>
               </a:pPr>
-              <a:t>2014/10/27</a:t>
+              <a:t>2014/10/29</a:t>
             </a:fld>
             <a:endParaRPr lang="zh-CN" altLang="en-US"/>
           </a:p>
@@ -1562,7 +1563,7 @@
               <a:pPr>
                 <a:defRPr/>
               </a:pPr>
-              <a:t>2014/10/27</a:t>
+              <a:t>2014/10/29</a:t>
             </a:fld>
             <a:endParaRPr lang="zh-CN" altLang="en-US"/>
           </a:p>
@@ -1858,7 +1859,7 @@
               <a:pPr>
                 <a:defRPr/>
               </a:pPr>
-              <a:t>2014/10/27</a:t>
+              <a:t>2014/10/29</a:t>
             </a:fld>
             <a:endParaRPr lang="zh-CN" altLang="en-US"/>
           </a:p>
@@ -2070,7 +2071,7 @@
               <a:pPr>
                 <a:defRPr/>
               </a:pPr>
-              <a:t>2014/10/27</a:t>
+              <a:t>2014/10/29</a:t>
             </a:fld>
             <a:endParaRPr lang="zh-CN" altLang="en-US"/>
           </a:p>
@@ -2363,7 +2364,7 @@
               <a:pPr>
                 <a:defRPr/>
               </a:pPr>
-              <a:t>2014/10/27</a:t>
+              <a:t>2014/10/29</a:t>
             </a:fld>
             <a:endParaRPr lang="zh-CN" altLang="en-US"/>
           </a:p>
@@ -2915,7 +2916,75 @@
               <a:rPr lang="zh-CN" altLang="en-US" dirty="0" smtClean="0"/>
               <a:t>做点事情</a:t>
             </a:r>
-            <a:endParaRPr lang="zh-CN" altLang="en-US" dirty="0" smtClean="0"/>
+          </a:p>
+        </p:txBody>
+      </p:sp>
+      <p:sp>
+        <p:nvSpPr>
+          <p:cNvPr id="3" name="文本框 2"/>
+          <p:cNvSpPr txBox="1"/>
+          <p:nvPr/>
+        </p:nvSpPr>
+        <p:spPr>
+          <a:xfrm>
+            <a:off x="1399148" y="5290755"/>
+            <a:ext cx="6345705" cy="523220"/>
+          </a:xfrm>
+          <a:prstGeom prst="rect">
+            <a:avLst/>
+          </a:prstGeom>
+          <a:noFill/>
+        </p:spPr>
+        <p:txBody>
+          <a:bodyPr wrap="square" rtlCol="0" anchor="ctr">
+            <a:spAutoFit/>
+          </a:bodyPr>
+          <a:lstStyle/>
+          <a:p>
+            <a:r>
+              <a:rPr lang="zh-CN" altLang="en-US" sz="2800" dirty="0" smtClean="0">
+                <a:solidFill>
+                  <a:schemeClr val="accent1"/>
+                </a:solidFill>
+                <a:latin typeface="微软雅黑" panose="020B0503020204020204" pitchFamily="34" charset="-122"/>
+                <a:ea typeface="微软雅黑" panose="020B0503020204020204" pitchFamily="34" charset="-122"/>
+              </a:rPr>
+              <a:t>地理位置编码，</a:t>
+            </a:r>
+            <a:r>
+              <a:rPr lang="en-US" altLang="zh-CN" sz="2800" dirty="0" smtClean="0">
+                <a:solidFill>
+                  <a:schemeClr val="accent1"/>
+                </a:solidFill>
+                <a:latin typeface="微软雅黑" panose="020B0503020204020204" pitchFamily="34" charset="-122"/>
+                <a:ea typeface="微软雅黑" panose="020B0503020204020204" pitchFamily="34" charset="-122"/>
+              </a:rPr>
+              <a:t>marker</a:t>
+            </a:r>
+            <a:r>
+              <a:rPr lang="zh-CN" altLang="en-US" sz="2800" dirty="0" smtClean="0">
+                <a:solidFill>
+                  <a:schemeClr val="accent1"/>
+                </a:solidFill>
+                <a:latin typeface="微软雅黑" panose="020B0503020204020204" pitchFamily="34" charset="-122"/>
+                <a:ea typeface="微软雅黑" panose="020B0503020204020204" pitchFamily="34" charset="-122"/>
+              </a:rPr>
+              <a:t>，</a:t>
+            </a:r>
+            <a:r>
+              <a:rPr lang="en-US" altLang="zh-CN" sz="2800" dirty="0" err="1" smtClean="0">
+                <a:solidFill>
+                  <a:schemeClr val="accent1"/>
+                </a:solidFill>
+                <a:latin typeface="微软雅黑" panose="020B0503020204020204" pitchFamily="34" charset="-122"/>
+                <a:ea typeface="微软雅黑" panose="020B0503020204020204" pitchFamily="34" charset="-122"/>
+              </a:rPr>
+              <a:t>infowindow</a:t>
+            </a:r>
+            <a:endParaRPr lang="zh-CN" altLang="en-US" sz="2800" dirty="0">
+              <a:latin typeface="微软雅黑" panose="020B0503020204020204" pitchFamily="34" charset="-122"/>
+              <a:ea typeface="微软雅黑" panose="020B0503020204020204" pitchFamily="34" charset="-122"/>
+            </a:endParaRPr>
           </a:p>
         </p:txBody>
       </p:sp>
@@ -5238,7 +5307,6 @@
               <a:rPr lang="zh-CN" altLang="en-US" dirty="0" smtClean="0"/>
               <a:t>贝爷真的很想邀请你一起吃鸡肉！</a:t>
             </a:r>
-            <a:endParaRPr lang="zh-CN" altLang="en-US" dirty="0" smtClean="0"/>
           </a:p>
         </p:txBody>
       </p:sp>
@@ -5258,6 +5326,167 @@
 </file>
 
 <file path=ppt/slides/slide6.xml><?xml version="1.0" encoding="utf-8"?>
+<p:sld xmlns:a="http://schemas.openxmlformats.org/drawingml/2006/main" xmlns:r="http://schemas.openxmlformats.org/officeDocument/2006/relationships" xmlns:p="http://schemas.openxmlformats.org/presentationml/2006/main">
+  <p:cSld>
+    <p:spTree>
+      <p:nvGrpSpPr>
+        <p:cNvPr id="1" name=""/>
+        <p:cNvGrpSpPr/>
+        <p:nvPr/>
+      </p:nvGrpSpPr>
+      <p:grpSpPr>
+        <a:xfrm>
+          <a:off x="0" y="0"/>
+          <a:ext cx="0" cy="0"/>
+          <a:chOff x="0" y="0"/>
+          <a:chExt cx="0" cy="0"/>
+        </a:xfrm>
+      </p:grpSpPr>
+      <p:sp>
+        <p:nvSpPr>
+          <p:cNvPr id="3" name="标题 2"/>
+          <p:cNvSpPr>
+            <a:spLocks noGrp="1"/>
+          </p:cNvSpPr>
+          <p:nvPr>
+            <p:ph type="title"/>
+          </p:nvPr>
+        </p:nvSpPr>
+        <p:spPr/>
+        <p:txBody>
+          <a:bodyPr/>
+          <a:lstStyle/>
+          <a:p>
+            <a:r>
+              <a:rPr lang="zh-CN" altLang="en-US" dirty="0" smtClean="0"/>
+              <a:t>作业</a:t>
+            </a:r>
+            <a:endParaRPr lang="zh-CN" altLang="en-US" dirty="0"/>
+          </a:p>
+        </p:txBody>
+      </p:sp>
+      <p:sp>
+        <p:nvSpPr>
+          <p:cNvPr id="4" name="文本框 3"/>
+          <p:cNvSpPr txBox="1"/>
+          <p:nvPr/>
+        </p:nvSpPr>
+        <p:spPr>
+          <a:xfrm>
+            <a:off x="755576" y="1340768"/>
+            <a:ext cx="6696744" cy="5078313"/>
+          </a:xfrm>
+          <a:prstGeom prst="rect">
+            <a:avLst/>
+          </a:prstGeom>
+          <a:noFill/>
+        </p:spPr>
+        <p:txBody>
+          <a:bodyPr wrap="square" rtlCol="0">
+            <a:spAutoFit/>
+          </a:bodyPr>
+          <a:lstStyle/>
+          <a:p>
+            <a:pPr marL="742950" indent="-742950">
+              <a:buFont typeface="+mj-lt"/>
+              <a:buAutoNum type="arabicPeriod"/>
+            </a:pPr>
+            <a:r>
+              <a:rPr lang="zh-CN" altLang="en-US" sz="3600" dirty="0" smtClean="0">
+                <a:latin typeface="微软雅黑" panose="020B0503020204020204" pitchFamily="34" charset="-122"/>
+                <a:ea typeface="微软雅黑" panose="020B0503020204020204" pitchFamily="34" charset="-122"/>
+              </a:rPr>
+              <a:t>通过正向编码获取你母校的经纬度</a:t>
+            </a:r>
+            <a:endParaRPr lang="en-US" altLang="zh-CN" sz="3600" dirty="0" smtClean="0">
+              <a:latin typeface="微软雅黑" panose="020B0503020204020204" pitchFamily="34" charset="-122"/>
+              <a:ea typeface="微软雅黑" panose="020B0503020204020204" pitchFamily="34" charset="-122"/>
+            </a:endParaRPr>
+          </a:p>
+          <a:p>
+            <a:pPr marL="742950" indent="-742950">
+              <a:buFont typeface="+mj-lt"/>
+              <a:buAutoNum type="arabicPeriod"/>
+            </a:pPr>
+            <a:r>
+              <a:rPr lang="zh-CN" altLang="en-US" sz="3600" dirty="0" smtClean="0">
+                <a:latin typeface="微软雅黑" panose="020B0503020204020204" pitchFamily="34" charset="-122"/>
+                <a:ea typeface="微软雅黑" panose="020B0503020204020204" pitchFamily="34" charset="-122"/>
+              </a:rPr>
+              <a:t>随机在你母校的城市中找一个经纬度，反向编码获取他的位置</a:t>
+            </a:r>
+            <a:endParaRPr lang="en-US" altLang="zh-CN" sz="3600" dirty="0" smtClean="0">
+              <a:latin typeface="微软雅黑" panose="020B0503020204020204" pitchFamily="34" charset="-122"/>
+              <a:ea typeface="微软雅黑" panose="020B0503020204020204" pitchFamily="34" charset="-122"/>
+            </a:endParaRPr>
+          </a:p>
+          <a:p>
+            <a:pPr marL="742950" indent="-742950">
+              <a:buFont typeface="+mj-lt"/>
+              <a:buAutoNum type="arabicPeriod"/>
+            </a:pPr>
+            <a:r>
+              <a:rPr lang="zh-CN" altLang="en-US" sz="3600" dirty="0" smtClean="0">
+                <a:latin typeface="微软雅黑" panose="020B0503020204020204" pitchFamily="34" charset="-122"/>
+                <a:ea typeface="微软雅黑" panose="020B0503020204020204" pitchFamily="34" charset="-122"/>
+              </a:rPr>
+              <a:t>在你最喜欢的餐厅上加一个</a:t>
+            </a:r>
+            <a:r>
+              <a:rPr lang="en-US" altLang="zh-CN" sz="3600" dirty="0" smtClean="0">
+                <a:latin typeface="微软雅黑" panose="020B0503020204020204" pitchFamily="34" charset="-122"/>
+                <a:ea typeface="微软雅黑" panose="020B0503020204020204" pitchFamily="34" charset="-122"/>
+              </a:rPr>
+              <a:t>marker</a:t>
+            </a:r>
+            <a:r>
+              <a:rPr lang="zh-CN" altLang="en-US" sz="3600" dirty="0" smtClean="0">
+                <a:latin typeface="微软雅黑" panose="020B0503020204020204" pitchFamily="34" charset="-122"/>
+                <a:ea typeface="微软雅黑" panose="020B0503020204020204" pitchFamily="34" charset="-122"/>
+              </a:rPr>
+              <a:t>，并自定义一个</a:t>
+            </a:r>
+            <a:r>
+              <a:rPr lang="en-US" altLang="zh-CN" sz="3600" dirty="0" err="1" smtClean="0">
+                <a:latin typeface="微软雅黑" panose="020B0503020204020204" pitchFamily="34" charset="-122"/>
+                <a:ea typeface="微软雅黑" panose="020B0503020204020204" pitchFamily="34" charset="-122"/>
+              </a:rPr>
+              <a:t>infowindow</a:t>
+            </a:r>
+            <a:r>
+              <a:rPr lang="zh-CN" altLang="en-US" sz="3600" dirty="0" smtClean="0">
+                <a:latin typeface="微软雅黑" panose="020B0503020204020204" pitchFamily="34" charset="-122"/>
+                <a:ea typeface="微软雅黑" panose="020B0503020204020204" pitchFamily="34" charset="-122"/>
+              </a:rPr>
+              <a:t>描述下餐厅</a:t>
+            </a:r>
+            <a:endParaRPr lang="en-US" altLang="zh-CN" sz="3600" dirty="0" smtClean="0">
+              <a:latin typeface="微软雅黑" panose="020B0503020204020204" pitchFamily="34" charset="-122"/>
+              <a:ea typeface="微软雅黑" panose="020B0503020204020204" pitchFamily="34" charset="-122"/>
+            </a:endParaRPr>
+          </a:p>
+          <a:p>
+            <a:endParaRPr lang="zh-CN" altLang="en-US" sz="3600" dirty="0">
+              <a:latin typeface="微软雅黑" panose="020B0503020204020204" pitchFamily="34" charset="-122"/>
+              <a:ea typeface="微软雅黑" panose="020B0503020204020204" pitchFamily="34" charset="-122"/>
+            </a:endParaRPr>
+          </a:p>
+        </p:txBody>
+      </p:sp>
+    </p:spTree>
+    <p:extLst>
+      <p:ext uri="{BB962C8B-B14F-4D97-AF65-F5344CB8AC3E}">
+        <p14:creationId xmlns:p14="http://schemas.microsoft.com/office/powerpoint/2010/main" val="2901551361"/>
+      </p:ext>
+    </p:extLst>
+  </p:cSld>
+  <p:clrMapOvr>
+    <a:masterClrMapping/>
+  </p:clrMapOvr>
+</p:sld>
+</file>
+
+<file path=ppt/slides/slide7.xml><?xml version="1.0" encoding="utf-8"?>
 <p:sld xmlns:a="http://schemas.openxmlformats.org/drawingml/2006/main" xmlns:r="http://schemas.openxmlformats.org/officeDocument/2006/relationships" xmlns:p="http://schemas.openxmlformats.org/presentationml/2006/main">
   <p:cSld>
     <p:spTree>
